--- a/AG Demo/NotEssentialData/custom images.pptx
+++ b/AG Demo/NotEssentialData/custom images.pptx
@@ -6,6 +6,7 @@
   </p:sldMasterIdLst>
   <p:sldIdLst>
     <p:sldId id="256" r:id="rId2"/>
+    <p:sldId id="257" r:id="rId3"/>
   </p:sldIdLst>
   <p:sldSz cx="12192000" cy="6858000"/>
   <p:notesSz cx="6858000" cy="9144000"/>
@@ -259,7 +260,7 @@
           <a:p>
             <a:fld id="{47577C98-BE2A-4BDB-88A4-84A7CBC2977B}" type="datetimeFigureOut">
               <a:rPr lang="en-US" smtClean="0"/>
-              <a:t>5/23/2022</a:t>
+              <a:t>12/7/2022</a:t>
             </a:fld>
             <a:endParaRPr lang="en-US"/>
           </a:p>
@@ -457,7 +458,7 @@
           <a:p>
             <a:fld id="{47577C98-BE2A-4BDB-88A4-84A7CBC2977B}" type="datetimeFigureOut">
               <a:rPr lang="en-US" smtClean="0"/>
-              <a:t>5/23/2022</a:t>
+              <a:t>12/7/2022</a:t>
             </a:fld>
             <a:endParaRPr lang="en-US"/>
           </a:p>
@@ -665,7 +666,7 @@
           <a:p>
             <a:fld id="{47577C98-BE2A-4BDB-88A4-84A7CBC2977B}" type="datetimeFigureOut">
               <a:rPr lang="en-US" smtClean="0"/>
-              <a:t>5/23/2022</a:t>
+              <a:t>12/7/2022</a:t>
             </a:fld>
             <a:endParaRPr lang="en-US"/>
           </a:p>
@@ -863,7 +864,7 @@
           <a:p>
             <a:fld id="{47577C98-BE2A-4BDB-88A4-84A7CBC2977B}" type="datetimeFigureOut">
               <a:rPr lang="en-US" smtClean="0"/>
-              <a:t>5/23/2022</a:t>
+              <a:t>12/7/2022</a:t>
             </a:fld>
             <a:endParaRPr lang="en-US"/>
           </a:p>
@@ -1138,7 +1139,7 @@
           <a:p>
             <a:fld id="{47577C98-BE2A-4BDB-88A4-84A7CBC2977B}" type="datetimeFigureOut">
               <a:rPr lang="en-US" smtClean="0"/>
-              <a:t>5/23/2022</a:t>
+              <a:t>12/7/2022</a:t>
             </a:fld>
             <a:endParaRPr lang="en-US"/>
           </a:p>
@@ -1403,7 +1404,7 @@
           <a:p>
             <a:fld id="{47577C98-BE2A-4BDB-88A4-84A7CBC2977B}" type="datetimeFigureOut">
               <a:rPr lang="en-US" smtClean="0"/>
-              <a:t>5/23/2022</a:t>
+              <a:t>12/7/2022</a:t>
             </a:fld>
             <a:endParaRPr lang="en-US"/>
           </a:p>
@@ -1815,7 +1816,7 @@
           <a:p>
             <a:fld id="{47577C98-BE2A-4BDB-88A4-84A7CBC2977B}" type="datetimeFigureOut">
               <a:rPr lang="en-US" smtClean="0"/>
-              <a:t>5/23/2022</a:t>
+              <a:t>12/7/2022</a:t>
             </a:fld>
             <a:endParaRPr lang="en-US"/>
           </a:p>
@@ -1956,7 +1957,7 @@
           <a:p>
             <a:fld id="{47577C98-BE2A-4BDB-88A4-84A7CBC2977B}" type="datetimeFigureOut">
               <a:rPr lang="en-US" smtClean="0"/>
-              <a:t>5/23/2022</a:t>
+              <a:t>12/7/2022</a:t>
             </a:fld>
             <a:endParaRPr lang="en-US"/>
           </a:p>
@@ -2069,7 +2070,7 @@
           <a:p>
             <a:fld id="{47577C98-BE2A-4BDB-88A4-84A7CBC2977B}" type="datetimeFigureOut">
               <a:rPr lang="en-US" smtClean="0"/>
-              <a:t>5/23/2022</a:t>
+              <a:t>12/7/2022</a:t>
             </a:fld>
             <a:endParaRPr lang="en-US"/>
           </a:p>
@@ -2380,7 +2381,7 @@
           <a:p>
             <a:fld id="{47577C98-BE2A-4BDB-88A4-84A7CBC2977B}" type="datetimeFigureOut">
               <a:rPr lang="en-US" smtClean="0"/>
-              <a:t>5/23/2022</a:t>
+              <a:t>12/7/2022</a:t>
             </a:fld>
             <a:endParaRPr lang="en-US"/>
           </a:p>
@@ -2668,7 +2669,7 @@
           <a:p>
             <a:fld id="{47577C98-BE2A-4BDB-88A4-84A7CBC2977B}" type="datetimeFigureOut">
               <a:rPr lang="en-US" smtClean="0"/>
-              <a:t>5/23/2022</a:t>
+              <a:t>12/7/2022</a:t>
             </a:fld>
             <a:endParaRPr lang="en-US"/>
           </a:p>
@@ -2909,7 +2910,7 @@
           <a:p>
             <a:fld id="{47577C98-BE2A-4BDB-88A4-84A7CBC2977B}" type="datetimeFigureOut">
               <a:rPr lang="en-US" smtClean="0"/>
-              <a:t>5/23/2022</a:t>
+              <a:t>12/7/2022</a:t>
             </a:fld>
             <a:endParaRPr lang="en-US"/>
           </a:p>
@@ -4562,6 +4563,561 @@
 </p:sld>
 </file>
 
+<file path=ppt/slides/slide2.xml><?xml version="1.0" encoding="utf-8"?>
+<p:sld xmlns:a="http://schemas.openxmlformats.org/drawingml/2006/main" xmlns:r="http://schemas.openxmlformats.org/officeDocument/2006/relationships" xmlns:p="http://schemas.openxmlformats.org/presentationml/2006/main">
+  <p:cSld>
+    <p:spTree>
+      <p:nvGrpSpPr>
+        <p:cNvPr id="1" name=""/>
+        <p:cNvGrpSpPr/>
+        <p:nvPr/>
+      </p:nvGrpSpPr>
+      <p:grpSpPr>
+        <a:xfrm>
+          <a:off x="0" y="0"/>
+          <a:ext cx="0" cy="0"/>
+          <a:chOff x="0" y="0"/>
+          <a:chExt cx="0" cy="0"/>
+        </a:xfrm>
+      </p:grpSpPr>
+      <p:sp>
+        <p:nvSpPr>
+          <p:cNvPr id="38" name="Rectangle 37">
+            <a:extLst>
+              <a:ext uri="{FF2B5EF4-FFF2-40B4-BE49-F238E27FC236}">
+                <a16:creationId xmlns:a16="http://schemas.microsoft.com/office/drawing/2014/main" id="{022ADCD4-7D47-49B4-A2CC-28A3E7D8AF0D}"/>
+              </a:ext>
+            </a:extLst>
+          </p:cNvPr>
+          <p:cNvSpPr/>
+          <p:nvPr/>
+        </p:nvSpPr>
+        <p:spPr>
+          <a:xfrm>
+            <a:off x="3379304" y="159026"/>
+            <a:ext cx="3863009" cy="3491948"/>
+          </a:xfrm>
+          <a:prstGeom prst="rect">
+            <a:avLst/>
+          </a:prstGeom>
+          <a:noFill/>
+          <a:ln w="38100">
+            <a:solidFill>
+              <a:schemeClr val="tx1"/>
+            </a:solidFill>
+          </a:ln>
+        </p:spPr>
+        <p:style>
+          <a:lnRef idx="2">
+            <a:schemeClr val="accent1">
+              <a:shade val="50000"/>
+            </a:schemeClr>
+          </a:lnRef>
+          <a:fillRef idx="1">
+            <a:schemeClr val="accent1"/>
+          </a:fillRef>
+          <a:effectRef idx="0">
+            <a:schemeClr val="accent1"/>
+          </a:effectRef>
+          <a:fontRef idx="minor">
+            <a:schemeClr val="lt1"/>
+          </a:fontRef>
+        </p:style>
+        <p:txBody>
+          <a:bodyPr rtlCol="0" anchor="ctr"/>
+          <a:lstStyle/>
+          <a:p>
+            <a:pPr algn="ctr"/>
+            <a:endParaRPr lang="en-US"/>
+          </a:p>
+        </p:txBody>
+      </p:sp>
+      <p:sp>
+        <p:nvSpPr>
+          <p:cNvPr id="7" name="TextBox 6">
+            <a:extLst>
+              <a:ext uri="{FF2B5EF4-FFF2-40B4-BE49-F238E27FC236}">
+                <a16:creationId xmlns:a16="http://schemas.microsoft.com/office/drawing/2014/main" id="{B65BC742-56C9-430C-852B-71F7089F9FCE}"/>
+              </a:ext>
+            </a:extLst>
+          </p:cNvPr>
+          <p:cNvSpPr txBox="1"/>
+          <p:nvPr/>
+        </p:nvSpPr>
+        <p:spPr>
+          <a:xfrm>
+            <a:off x="4655581" y="887225"/>
+            <a:ext cx="1799584" cy="400110"/>
+          </a:xfrm>
+          <a:prstGeom prst="rect">
+            <a:avLst/>
+          </a:prstGeom>
+          <a:noFill/>
+        </p:spPr>
+        <p:txBody>
+          <a:bodyPr wrap="square" rtlCol="0">
+            <a:spAutoFit/>
+          </a:bodyPr>
+          <a:lstStyle/>
+          <a:p>
+            <a:r>
+              <a:rPr lang="en-US" sz="2000" dirty="0"/>
+              <a:t>County</a:t>
+            </a:r>
+          </a:p>
+        </p:txBody>
+      </p:sp>
+      <p:sp>
+        <p:nvSpPr>
+          <p:cNvPr id="11" name="TextBox 10">
+            <a:extLst>
+              <a:ext uri="{FF2B5EF4-FFF2-40B4-BE49-F238E27FC236}">
+                <a16:creationId xmlns:a16="http://schemas.microsoft.com/office/drawing/2014/main" id="{39572287-2027-47B7-BA5A-1716C0E7EA29}"/>
+              </a:ext>
+            </a:extLst>
+          </p:cNvPr>
+          <p:cNvSpPr txBox="1"/>
+          <p:nvPr/>
+        </p:nvSpPr>
+        <p:spPr>
+          <a:xfrm>
+            <a:off x="3379304" y="230738"/>
+            <a:ext cx="3863009" cy="584775"/>
+          </a:xfrm>
+          <a:prstGeom prst="rect">
+            <a:avLst/>
+          </a:prstGeom>
+          <a:noFill/>
+        </p:spPr>
+        <p:txBody>
+          <a:bodyPr wrap="square" rtlCol="0">
+            <a:spAutoFit/>
+          </a:bodyPr>
+          <a:lstStyle/>
+          <a:p>
+            <a:pPr algn="ctr"/>
+            <a:r>
+              <a:rPr lang="en-US" sz="3200" dirty="0">
+                <a:latin typeface="Arial Black" panose="020B0A04020102020204" pitchFamily="34" charset="0"/>
+              </a:rPr>
+              <a:t>Boundary Type</a:t>
+            </a:r>
+          </a:p>
+        </p:txBody>
+      </p:sp>
+      <p:sp>
+        <p:nvSpPr>
+          <p:cNvPr id="21" name="Rectangle 20">
+            <a:extLst>
+              <a:ext uri="{FF2B5EF4-FFF2-40B4-BE49-F238E27FC236}">
+                <a16:creationId xmlns:a16="http://schemas.microsoft.com/office/drawing/2014/main" id="{F4899A03-8078-41A6-BBE6-FFEE3D6B5788}"/>
+              </a:ext>
+            </a:extLst>
+          </p:cNvPr>
+          <p:cNvSpPr/>
+          <p:nvPr/>
+        </p:nvSpPr>
+        <p:spPr>
+          <a:xfrm>
+            <a:off x="3935897" y="887225"/>
+            <a:ext cx="596348" cy="400110"/>
+          </a:xfrm>
+          <a:prstGeom prst="rect">
+            <a:avLst/>
+          </a:prstGeom>
+          <a:solidFill>
+            <a:srgbClr val="648FFF"/>
+          </a:solidFill>
+          <a:ln>
+            <a:noFill/>
+          </a:ln>
+        </p:spPr>
+        <p:style>
+          <a:lnRef idx="2">
+            <a:schemeClr val="accent1">
+              <a:shade val="50000"/>
+            </a:schemeClr>
+          </a:lnRef>
+          <a:fillRef idx="1">
+            <a:schemeClr val="accent1"/>
+          </a:fillRef>
+          <a:effectRef idx="0">
+            <a:schemeClr val="accent1"/>
+          </a:effectRef>
+          <a:fontRef idx="minor">
+            <a:schemeClr val="lt1"/>
+          </a:fontRef>
+        </p:style>
+        <p:txBody>
+          <a:bodyPr rtlCol="0" anchor="ctr"/>
+          <a:lstStyle/>
+          <a:p>
+            <a:pPr algn="ctr"/>
+            <a:endParaRPr lang="en-US"/>
+          </a:p>
+        </p:txBody>
+      </p:sp>
+      <p:sp>
+        <p:nvSpPr>
+          <p:cNvPr id="2" name="TextBox 1">
+            <a:extLst>
+              <a:ext uri="{FF2B5EF4-FFF2-40B4-BE49-F238E27FC236}">
+                <a16:creationId xmlns:a16="http://schemas.microsoft.com/office/drawing/2014/main" id="{A1677095-FA7B-47CF-9195-7A9D97254762}"/>
+              </a:ext>
+            </a:extLst>
+          </p:cNvPr>
+          <p:cNvSpPr txBox="1"/>
+          <p:nvPr/>
+        </p:nvSpPr>
+        <p:spPr>
+          <a:xfrm>
+            <a:off x="4655581" y="1397433"/>
+            <a:ext cx="1799584" cy="400110"/>
+          </a:xfrm>
+          <a:prstGeom prst="rect">
+            <a:avLst/>
+          </a:prstGeom>
+          <a:noFill/>
+        </p:spPr>
+        <p:txBody>
+          <a:bodyPr wrap="square" rtlCol="0">
+            <a:spAutoFit/>
+          </a:bodyPr>
+          <a:lstStyle/>
+          <a:p>
+            <a:r>
+              <a:rPr lang="en-US" sz="2000" dirty="0"/>
+              <a:t>HUC8</a:t>
+            </a:r>
+          </a:p>
+        </p:txBody>
+      </p:sp>
+      <p:sp>
+        <p:nvSpPr>
+          <p:cNvPr id="3" name="Rectangle 2">
+            <a:extLst>
+              <a:ext uri="{FF2B5EF4-FFF2-40B4-BE49-F238E27FC236}">
+                <a16:creationId xmlns:a16="http://schemas.microsoft.com/office/drawing/2014/main" id="{FF1AE487-36DA-D5DF-6AF4-DE0FA896FBBF}"/>
+              </a:ext>
+            </a:extLst>
+          </p:cNvPr>
+          <p:cNvSpPr/>
+          <p:nvPr/>
+        </p:nvSpPr>
+        <p:spPr>
+          <a:xfrm>
+            <a:off x="3935897" y="1397433"/>
+            <a:ext cx="596348" cy="400110"/>
+          </a:xfrm>
+          <a:prstGeom prst="rect">
+            <a:avLst/>
+          </a:prstGeom>
+          <a:solidFill>
+            <a:srgbClr val="785EF0"/>
+          </a:solidFill>
+          <a:ln>
+            <a:noFill/>
+          </a:ln>
+        </p:spPr>
+        <p:style>
+          <a:lnRef idx="2">
+            <a:schemeClr val="accent1">
+              <a:shade val="50000"/>
+            </a:schemeClr>
+          </a:lnRef>
+          <a:fillRef idx="1">
+            <a:schemeClr val="accent1"/>
+          </a:fillRef>
+          <a:effectRef idx="0">
+            <a:schemeClr val="accent1"/>
+          </a:effectRef>
+          <a:fontRef idx="minor">
+            <a:schemeClr val="lt1"/>
+          </a:fontRef>
+        </p:style>
+        <p:txBody>
+          <a:bodyPr rtlCol="0" anchor="ctr"/>
+          <a:lstStyle/>
+          <a:p>
+            <a:pPr algn="ctr"/>
+            <a:endParaRPr lang="en-US"/>
+          </a:p>
+        </p:txBody>
+      </p:sp>
+      <p:sp>
+        <p:nvSpPr>
+          <p:cNvPr id="4" name="TextBox 3">
+            <a:extLst>
+              <a:ext uri="{FF2B5EF4-FFF2-40B4-BE49-F238E27FC236}">
+                <a16:creationId xmlns:a16="http://schemas.microsoft.com/office/drawing/2014/main" id="{574289E8-8BFA-3B57-117E-EFA9D7008162}"/>
+              </a:ext>
+            </a:extLst>
+          </p:cNvPr>
+          <p:cNvSpPr txBox="1"/>
+          <p:nvPr/>
+        </p:nvSpPr>
+        <p:spPr>
+          <a:xfrm>
+            <a:off x="4655581" y="1907641"/>
+            <a:ext cx="1799584" cy="400110"/>
+          </a:xfrm>
+          <a:prstGeom prst="rect">
+            <a:avLst/>
+          </a:prstGeom>
+          <a:noFill/>
+        </p:spPr>
+        <p:txBody>
+          <a:bodyPr wrap="square" rtlCol="0">
+            <a:spAutoFit/>
+          </a:bodyPr>
+          <a:lstStyle/>
+          <a:p>
+            <a:r>
+              <a:rPr lang="en-US" sz="2000" dirty="0"/>
+              <a:t>Custom - Small</a:t>
+            </a:r>
+          </a:p>
+        </p:txBody>
+      </p:sp>
+      <p:sp>
+        <p:nvSpPr>
+          <p:cNvPr id="5" name="Rectangle 4">
+            <a:extLst>
+              <a:ext uri="{FF2B5EF4-FFF2-40B4-BE49-F238E27FC236}">
+                <a16:creationId xmlns:a16="http://schemas.microsoft.com/office/drawing/2014/main" id="{97AC695E-09E4-3E93-2D78-EE3B358470EA}"/>
+              </a:ext>
+            </a:extLst>
+          </p:cNvPr>
+          <p:cNvSpPr/>
+          <p:nvPr/>
+        </p:nvSpPr>
+        <p:spPr>
+          <a:xfrm>
+            <a:off x="3935897" y="1907641"/>
+            <a:ext cx="596348" cy="400110"/>
+          </a:xfrm>
+          <a:prstGeom prst="rect">
+            <a:avLst/>
+          </a:prstGeom>
+          <a:solidFill>
+            <a:srgbClr val="DC267F"/>
+          </a:solidFill>
+          <a:ln>
+            <a:noFill/>
+          </a:ln>
+        </p:spPr>
+        <p:style>
+          <a:lnRef idx="2">
+            <a:schemeClr val="accent1">
+              <a:shade val="50000"/>
+            </a:schemeClr>
+          </a:lnRef>
+          <a:fillRef idx="1">
+            <a:schemeClr val="accent1"/>
+          </a:fillRef>
+          <a:effectRef idx="0">
+            <a:schemeClr val="accent1"/>
+          </a:effectRef>
+          <a:fontRef idx="minor">
+            <a:schemeClr val="lt1"/>
+          </a:fontRef>
+        </p:style>
+        <p:txBody>
+          <a:bodyPr rtlCol="0" anchor="ctr"/>
+          <a:lstStyle/>
+          <a:p>
+            <a:pPr algn="ctr"/>
+            <a:endParaRPr lang="en-US"/>
+          </a:p>
+        </p:txBody>
+      </p:sp>
+      <p:sp>
+        <p:nvSpPr>
+          <p:cNvPr id="6" name="TextBox 5">
+            <a:extLst>
+              <a:ext uri="{FF2B5EF4-FFF2-40B4-BE49-F238E27FC236}">
+                <a16:creationId xmlns:a16="http://schemas.microsoft.com/office/drawing/2014/main" id="{3D53CC85-9968-8ED4-8462-39D3338F6716}"/>
+              </a:ext>
+            </a:extLst>
+          </p:cNvPr>
+          <p:cNvSpPr txBox="1"/>
+          <p:nvPr/>
+        </p:nvSpPr>
+        <p:spPr>
+          <a:xfrm>
+            <a:off x="4655581" y="2417849"/>
+            <a:ext cx="2063272" cy="400110"/>
+          </a:xfrm>
+          <a:prstGeom prst="rect">
+            <a:avLst/>
+          </a:prstGeom>
+          <a:noFill/>
+        </p:spPr>
+        <p:txBody>
+          <a:bodyPr wrap="square" rtlCol="0">
+            <a:spAutoFit/>
+          </a:bodyPr>
+          <a:lstStyle/>
+          <a:p>
+            <a:r>
+              <a:rPr lang="en-US" sz="2000" dirty="0"/>
+              <a:t>Custom - Medium</a:t>
+            </a:r>
+          </a:p>
+        </p:txBody>
+      </p:sp>
+      <p:sp>
+        <p:nvSpPr>
+          <p:cNvPr id="8" name="Rectangle 7">
+            <a:extLst>
+              <a:ext uri="{FF2B5EF4-FFF2-40B4-BE49-F238E27FC236}">
+                <a16:creationId xmlns:a16="http://schemas.microsoft.com/office/drawing/2014/main" id="{CE31FBE6-40ED-3F34-0DF6-B152D6E72C8B}"/>
+              </a:ext>
+            </a:extLst>
+          </p:cNvPr>
+          <p:cNvSpPr/>
+          <p:nvPr/>
+        </p:nvSpPr>
+        <p:spPr>
+          <a:xfrm>
+            <a:off x="3935897" y="2417849"/>
+            <a:ext cx="596348" cy="400110"/>
+          </a:xfrm>
+          <a:prstGeom prst="rect">
+            <a:avLst/>
+          </a:prstGeom>
+          <a:solidFill>
+            <a:srgbClr val="FE6100"/>
+          </a:solidFill>
+          <a:ln>
+            <a:noFill/>
+          </a:ln>
+        </p:spPr>
+        <p:style>
+          <a:lnRef idx="2">
+            <a:schemeClr val="accent1">
+              <a:shade val="50000"/>
+            </a:schemeClr>
+          </a:lnRef>
+          <a:fillRef idx="1">
+            <a:schemeClr val="accent1"/>
+          </a:fillRef>
+          <a:effectRef idx="0">
+            <a:schemeClr val="accent1"/>
+          </a:effectRef>
+          <a:fontRef idx="minor">
+            <a:schemeClr val="lt1"/>
+          </a:fontRef>
+        </p:style>
+        <p:txBody>
+          <a:bodyPr rtlCol="0" anchor="ctr"/>
+          <a:lstStyle/>
+          <a:p>
+            <a:pPr algn="ctr"/>
+            <a:endParaRPr lang="en-US"/>
+          </a:p>
+        </p:txBody>
+      </p:sp>
+      <p:sp>
+        <p:nvSpPr>
+          <p:cNvPr id="9" name="TextBox 8">
+            <a:extLst>
+              <a:ext uri="{FF2B5EF4-FFF2-40B4-BE49-F238E27FC236}">
+                <a16:creationId xmlns:a16="http://schemas.microsoft.com/office/drawing/2014/main" id="{65ECF910-1147-AD4D-F5AF-1444B9F1DF17}"/>
+              </a:ext>
+            </a:extLst>
+          </p:cNvPr>
+          <p:cNvSpPr txBox="1"/>
+          <p:nvPr/>
+        </p:nvSpPr>
+        <p:spPr>
+          <a:xfrm>
+            <a:off x="4655581" y="2963010"/>
+            <a:ext cx="2063272" cy="400110"/>
+          </a:xfrm>
+          <a:prstGeom prst="rect">
+            <a:avLst/>
+          </a:prstGeom>
+          <a:noFill/>
+        </p:spPr>
+        <p:txBody>
+          <a:bodyPr wrap="square" rtlCol="0">
+            <a:spAutoFit/>
+          </a:bodyPr>
+          <a:lstStyle/>
+          <a:p>
+            <a:r>
+              <a:rPr lang="en-US" sz="2000" dirty="0"/>
+              <a:t>Custom - Large</a:t>
+            </a:r>
+          </a:p>
+        </p:txBody>
+      </p:sp>
+      <p:sp>
+        <p:nvSpPr>
+          <p:cNvPr id="10" name="Rectangle 9">
+            <a:extLst>
+              <a:ext uri="{FF2B5EF4-FFF2-40B4-BE49-F238E27FC236}">
+                <a16:creationId xmlns:a16="http://schemas.microsoft.com/office/drawing/2014/main" id="{5DA2D94A-7EE3-C079-EB95-B3CB08218C22}"/>
+              </a:ext>
+            </a:extLst>
+          </p:cNvPr>
+          <p:cNvSpPr/>
+          <p:nvPr/>
+        </p:nvSpPr>
+        <p:spPr>
+          <a:xfrm>
+            <a:off x="3935897" y="2963010"/>
+            <a:ext cx="596348" cy="400110"/>
+          </a:xfrm>
+          <a:prstGeom prst="rect">
+            <a:avLst/>
+          </a:prstGeom>
+          <a:solidFill>
+            <a:srgbClr val="FFB000"/>
+          </a:solidFill>
+          <a:ln>
+            <a:noFill/>
+          </a:ln>
+        </p:spPr>
+        <p:style>
+          <a:lnRef idx="2">
+            <a:schemeClr val="accent1">
+              <a:shade val="50000"/>
+            </a:schemeClr>
+          </a:lnRef>
+          <a:fillRef idx="1">
+            <a:schemeClr val="accent1"/>
+          </a:fillRef>
+          <a:effectRef idx="0">
+            <a:schemeClr val="accent1"/>
+          </a:effectRef>
+          <a:fontRef idx="minor">
+            <a:schemeClr val="lt1"/>
+          </a:fontRef>
+        </p:style>
+        <p:txBody>
+          <a:bodyPr rtlCol="0" anchor="ctr"/>
+          <a:lstStyle/>
+          <a:p>
+            <a:pPr algn="ctr"/>
+            <a:endParaRPr lang="en-US"/>
+          </a:p>
+        </p:txBody>
+      </p:sp>
+    </p:spTree>
+    <p:extLst>
+      <p:ext uri="{BB962C8B-B14F-4D97-AF65-F5344CB8AC3E}">
+        <p14:creationId xmlns:p14="http://schemas.microsoft.com/office/powerpoint/2010/main" val="2717791978"/>
+      </p:ext>
+    </p:extLst>
+  </p:cSld>
+  <p:clrMapOvr>
+    <a:masterClrMapping/>
+  </p:clrMapOvr>
+</p:sld>
+</file>
+
 <file path=ppt/theme/theme1.xml><?xml version="1.0" encoding="utf-8"?>
 <a:theme xmlns:a="http://schemas.openxmlformats.org/drawingml/2006/main" name="Office Theme">
   <a:themeElements>
